--- a/documents/T3-ShareList-Abschlusspräsentation_v1.0.pptx
+++ b/documents/T3-ShareList-Abschlusspräsentation_v1.0.pptx
@@ -9960,10 +9960,10 @@
       </p:sp>
       <p:pic>
         <p:nvPicPr>
-          <p:cNvPr id="10" name="Grafik 9">
-            <a:extLst>
-              <a:ext uri="{FF2B5EF4-FFF2-40B4-BE49-F238E27FC236}">
-                <a16:creationId xmlns:a16="http://schemas.microsoft.com/office/drawing/2014/main" id="{43C20D21-F430-B1FB-5B13-B0C117FA2BA4}"/>
+          <p:cNvPr id="2" name="Grafik 1">
+            <a:extLst>
+              <a:ext uri="{FF2B5EF4-FFF2-40B4-BE49-F238E27FC236}">
+                <a16:creationId xmlns:a16="http://schemas.microsoft.com/office/drawing/2014/main" id="{5CA39AD2-4E6A-A30C-C039-F8E62F90BD82}"/>
               </a:ext>
             </a:extLst>
           </p:cNvPr>
@@ -9980,8 +9980,8 @@
         </p:blipFill>
         <p:spPr>
           <a:xfrm>
-            <a:off x="511790" y="2480981"/>
-            <a:ext cx="5012746" cy="2036428"/>
+            <a:off x="5676181" y="2615526"/>
+            <a:ext cx="6004029" cy="1801209"/>
           </a:xfrm>
           <a:prstGeom prst="rect">
             <a:avLst/>
@@ -9990,10 +9990,10 @@
       </p:pic>
       <p:pic>
         <p:nvPicPr>
-          <p:cNvPr id="12" name="Grafik 11">
-            <a:extLst>
-              <a:ext uri="{FF2B5EF4-FFF2-40B4-BE49-F238E27FC236}">
-                <a16:creationId xmlns:a16="http://schemas.microsoft.com/office/drawing/2014/main" id="{6A2CC260-B945-62FB-36DF-D45CD7A4DE95}"/>
+          <p:cNvPr id="4" name="Grafik 3">
+            <a:extLst>
+              <a:ext uri="{FF2B5EF4-FFF2-40B4-BE49-F238E27FC236}">
+                <a16:creationId xmlns:a16="http://schemas.microsoft.com/office/drawing/2014/main" id="{D94F1120-3BE8-C9FD-C46C-19353C6F463C}"/>
               </a:ext>
             </a:extLst>
           </p:cNvPr>
@@ -10010,8 +10010,8 @@
         </p:blipFill>
         <p:spPr>
           <a:xfrm>
-            <a:off x="5858240" y="2480981"/>
-            <a:ext cx="5373868" cy="2106935"/>
+            <a:off x="759257" y="2615526"/>
+            <a:ext cx="4869935" cy="1801209"/>
           </a:xfrm>
           <a:prstGeom prst="rect">
             <a:avLst/>
@@ -15872,15 +15872,6 @@
 </file>
 
 <file path=customXml/item1.xml><?xml version="1.0" encoding="utf-8"?>
-<?mso-contentType ?>
-<FormTemplates xmlns="http://schemas.microsoft.com/sharepoint/v3/contenttype/forms">
-  <Display>DocumentLibraryForm</Display>
-  <Edit>DocumentLibraryForm</Edit>
-  <New>DocumentLibraryForm</New>
-</FormTemplates>
-</file>
-
-<file path=customXml/item2.xml><?xml version="1.0" encoding="utf-8"?>
 <ct:contentTypeSchema xmlns:ct="http://schemas.microsoft.com/office/2006/metadata/contentType" xmlns:ma="http://schemas.microsoft.com/office/2006/metadata/properties/metaAttributes" ct:_="" ma:_="" ma:contentTypeName="Dokument" ma:contentTypeID="0x01010026E71E5615E0A644B8B57BA6C092E805" ma:contentTypeVersion="2" ma:contentTypeDescription="Ein neues Dokument erstellen." ma:contentTypeScope="" ma:versionID="885d557d2676289c2a00aa3f8538274d">
   <xsd:schema xmlns:xsd="http://www.w3.org/2001/XMLSchema" xmlns:xs="http://www.w3.org/2001/XMLSchema" xmlns:p="http://schemas.microsoft.com/office/2006/metadata/properties" xmlns:ns3="3d4ba707-cc54-4fd5-8602-bc81a4186947" targetNamespace="http://schemas.microsoft.com/office/2006/metadata/properties" ma:root="true" ma:fieldsID="7825bca72a302c9ca2c954702a874e7b" ns3:_="">
     <xsd:import namespace="3d4ba707-cc54-4fd5-8602-bc81a4186947"/>
@@ -16012,6 +16003,15 @@
 </ct:contentTypeSchema>
 </file>
 
+<file path=customXml/item2.xml><?xml version="1.0" encoding="utf-8"?>
+<?mso-contentType ?>
+<FormTemplates xmlns="http://schemas.microsoft.com/sharepoint/v3/contenttype/forms">
+  <Display>DocumentLibraryForm</Display>
+  <Edit>DocumentLibraryForm</Edit>
+  <New>DocumentLibraryForm</New>
+</FormTemplates>
+</file>
+
 <file path=customXml/item3.xml><?xml version="1.0" encoding="utf-8"?>
 <p:properties xmlns:p="http://schemas.microsoft.com/office/2006/metadata/properties" xmlns:xsi="http://www.w3.org/2001/XMLSchema-instance" xmlns:pc="http://schemas.microsoft.com/office/infopath/2007/PartnerControls">
   <documentManagement/>
@@ -16019,14 +16019,6 @@
 </file>
 
 <file path=customXml/itemProps1.xml><?xml version="1.0" encoding="utf-8"?>
-<ds:datastoreItem xmlns:ds="http://schemas.openxmlformats.org/officeDocument/2006/customXml" ds:itemID="{8D33DF0F-2246-469E-9447-162247077994}">
-  <ds:schemaRefs>
-    <ds:schemaRef ds:uri="http://schemas.microsoft.com/sharepoint/v3/contenttype/forms"/>
-  </ds:schemaRefs>
-</ds:datastoreItem>
-</file>
-
-<file path=customXml/itemProps2.xml><?xml version="1.0" encoding="utf-8"?>
 <ds:datastoreItem xmlns:ds="http://schemas.openxmlformats.org/officeDocument/2006/customXml" ds:itemID="{6691A404-B33B-43B4-A18F-83AF7E7F1558}">
   <ds:schemaRefs>
     <ds:schemaRef ds:uri="http://schemas.microsoft.com/office/2006/metadata/contentType"/>
@@ -16040,6 +16032,14 @@
     <ds:schemaRef ds:uri="http://purl.org/dc/elements/1.1/"/>
     <ds:schemaRef ds:uri="http://purl.org/dc/terms/"/>
     <ds:schemaRef ds:uri="http://schemas.microsoft.com/internal/obd"/>
+  </ds:schemaRefs>
+</ds:datastoreItem>
+</file>
+
+<file path=customXml/itemProps2.xml><?xml version="1.0" encoding="utf-8"?>
+<ds:datastoreItem xmlns:ds="http://schemas.openxmlformats.org/officeDocument/2006/customXml" ds:itemID="{8D33DF0F-2246-469E-9447-162247077994}">
+  <ds:schemaRefs>
+    <ds:schemaRef ds:uri="http://schemas.microsoft.com/sharepoint/v3/contenttype/forms"/>
   </ds:schemaRefs>
 </ds:datastoreItem>
 </file>

--- a/documents/T3-ShareList-Abschlusspräsentation_v1.0.pptx
+++ b/documents/T3-ShareList-Abschlusspräsentation_v1.0.pptx
@@ -11408,7 +11408,22 @@
                   <a:srgbClr val="FFFFFF"/>
                 </a:solidFill>
               </a:rPr>
-              <a:t>Final presentation ShareList</a:t>
+              <a:t>Final presentation </a:t>
+            </a:r>
+            <a:br>
+              <a:rPr lang="en-GB" sz="4800" dirty="0">
+                <a:solidFill>
+                  <a:srgbClr val="FFFFFF"/>
+                </a:solidFill>
+              </a:rPr>
+            </a:br>
+            <a:r>
+              <a:rPr lang="en-GB" sz="4800" dirty="0">
+                <a:solidFill>
+                  <a:srgbClr val="FFFFFF"/>
+                </a:solidFill>
+              </a:rPr>
+              <a:t>T3-ShareList</a:t>
             </a:r>
           </a:p>
         </p:txBody>
@@ -24789,6 +24804,15 @@
 </file>
 
 <file path=customXml/item1.xml><?xml version="1.0" encoding="utf-8"?>
+<?mso-contentType ?>
+<FormTemplates xmlns="http://schemas.microsoft.com/sharepoint/v3/contenttype/forms">
+  <Display>DocumentLibraryForm</Display>
+  <Edit>DocumentLibraryForm</Edit>
+  <New>DocumentLibraryForm</New>
+</FormTemplates>
+</file>
+
+<file path=customXml/item2.xml><?xml version="1.0" encoding="utf-8"?>
 <ct:contentTypeSchema xmlns:ct="http://schemas.microsoft.com/office/2006/metadata/contentType" xmlns:ma="http://schemas.microsoft.com/office/2006/metadata/properties/metaAttributes" ct:_="" ma:_="" ma:contentTypeName="Dokument" ma:contentTypeID="0x01010026E71E5615E0A644B8B57BA6C092E805" ma:contentTypeVersion="2" ma:contentTypeDescription="Ein neues Dokument erstellen." ma:contentTypeScope="" ma:versionID="885d557d2676289c2a00aa3f8538274d">
   <xsd:schema xmlns:xsd="http://www.w3.org/2001/XMLSchema" xmlns:xs="http://www.w3.org/2001/XMLSchema" xmlns:p="http://schemas.microsoft.com/office/2006/metadata/properties" xmlns:ns3="3d4ba707-cc54-4fd5-8602-bc81a4186947" targetNamespace="http://schemas.microsoft.com/office/2006/metadata/properties" ma:root="true" ma:fieldsID="7825bca72a302c9ca2c954702a874e7b" ns3:_="">
     <xsd:import namespace="3d4ba707-cc54-4fd5-8602-bc81a4186947"/>
@@ -24920,15 +24944,6 @@
 </ct:contentTypeSchema>
 </file>
 
-<file path=customXml/item2.xml><?xml version="1.0" encoding="utf-8"?>
-<?mso-contentType ?>
-<FormTemplates xmlns="http://schemas.microsoft.com/sharepoint/v3/contenttype/forms">
-  <Display>DocumentLibraryForm</Display>
-  <Edit>DocumentLibraryForm</Edit>
-  <New>DocumentLibraryForm</New>
-</FormTemplates>
-</file>
-
 <file path=customXml/item3.xml><?xml version="1.0" encoding="utf-8"?>
 <p:properties xmlns:p="http://schemas.microsoft.com/office/2006/metadata/properties" xmlns:xsi="http://www.w3.org/2001/XMLSchema-instance" xmlns:pc="http://schemas.microsoft.com/office/infopath/2007/PartnerControls">
   <documentManagement/>
@@ -24936,6 +24951,14 @@
 </file>
 
 <file path=customXml/itemProps1.xml><?xml version="1.0" encoding="utf-8"?>
+<ds:datastoreItem xmlns:ds="http://schemas.openxmlformats.org/officeDocument/2006/customXml" ds:itemID="{8D33DF0F-2246-469E-9447-162247077994}">
+  <ds:schemaRefs>
+    <ds:schemaRef ds:uri="http://schemas.microsoft.com/sharepoint/v3/contenttype/forms"/>
+  </ds:schemaRefs>
+</ds:datastoreItem>
+</file>
+
+<file path=customXml/itemProps2.xml><?xml version="1.0" encoding="utf-8"?>
 <ds:datastoreItem xmlns:ds="http://schemas.openxmlformats.org/officeDocument/2006/customXml" ds:itemID="{6691A404-B33B-43B4-A18F-83AF7E7F1558}">
   <ds:schemaRefs>
     <ds:schemaRef ds:uri="http://schemas.microsoft.com/office/2006/metadata/contentType"/>
@@ -24949,14 +24972,6 @@
     <ds:schemaRef ds:uri="http://purl.org/dc/elements/1.1/"/>
     <ds:schemaRef ds:uri="http://purl.org/dc/terms/"/>
     <ds:schemaRef ds:uri="http://schemas.microsoft.com/internal/obd"/>
-  </ds:schemaRefs>
-</ds:datastoreItem>
-</file>
-
-<file path=customXml/itemProps2.xml><?xml version="1.0" encoding="utf-8"?>
-<ds:datastoreItem xmlns:ds="http://schemas.openxmlformats.org/officeDocument/2006/customXml" ds:itemID="{8D33DF0F-2246-469E-9447-162247077994}">
-  <ds:schemaRefs>
-    <ds:schemaRef ds:uri="http://schemas.microsoft.com/sharepoint/v3/contenttype/forms"/>
   </ds:schemaRefs>
 </ds:datastoreItem>
 </file>

--- a/documents/T3-ShareList-Abschlusspräsentation_v1.0.pptx
+++ b/documents/T3-ShareList-Abschlusspräsentation_v1.0.pptx
@@ -11657,7 +11657,7 @@
                   <a:prstDash val="solid"/>
                 </a:ln>
                 <a:solidFill>
-                  <a:srgbClr val="FFFFFF"/>
+                  <a:schemeClr val="bg1"/>
                 </a:solidFill>
                 <a:effectLst>
                   <a:outerShdw blurRad="38100" dist="22860" dir="5400000" algn="tl" rotWithShape="0">
@@ -11677,7 +11677,7 @@
                 <a:prstDash val="solid"/>
               </a:ln>
               <a:solidFill>
-                <a:srgbClr val="FFFFFF"/>
+                <a:schemeClr val="bg1"/>
               </a:solidFill>
               <a:effectLst>
                 <a:outerShdw blurRad="38100" dist="22860" dir="5400000" algn="tl" rotWithShape="0">
@@ -14281,8 +14281,8 @@
         </p:nvSpPr>
         <p:spPr>
           <a:xfrm>
-            <a:off x="699713" y="6250230"/>
-            <a:ext cx="1321195" cy="584775"/>
+            <a:off x="706926" y="6250230"/>
+            <a:ext cx="1306769" cy="584775"/>
           </a:xfrm>
           <a:prstGeom prst="rect">
             <a:avLst/>
@@ -14312,7 +14312,7 @@
                   </a:outerShdw>
                 </a:effectLst>
               </a:rPr>
-              <a:t>Adrian</a:t>
+              <a:t>Fabian</a:t>
             </a:r>
             <a:endParaRPr lang="de-DE" sz="3200" b="1" cap="none" spc="0" dirty="0">
               <a:ln w="9525">
@@ -15076,14 +15076,14 @@
           <p:nvPr>
             <p:extLst>
               <p:ext uri="{D42A27DB-BD31-4B8C-83A1-F6EECF244321}">
-                <p14:modId xmlns:p14="http://schemas.microsoft.com/office/powerpoint/2010/main" val="316022942"/>
+                <p14:modId xmlns:p14="http://schemas.microsoft.com/office/powerpoint/2010/main" val="934201646"/>
               </p:ext>
             </p:extLst>
           </p:nvPr>
         </p:nvGraphicFramePr>
         <p:xfrm>
-          <a:off x="1993983" y="429062"/>
-          <a:ext cx="8128000" cy="4754880"/>
+          <a:off x="1966763" y="107829"/>
+          <a:ext cx="8128000" cy="5120640"/>
         </p:xfrm>
         <a:graphic>
           <a:graphicData uri="http://schemas.openxmlformats.org/drawingml/2006/table">
@@ -15219,7 +15219,79 @@
                   </a:ext>
                 </a:extLst>
               </a:tr>
-              <a:tr h="626439">
+              <a:tr h="320040">
+                <a:tc>
+                  <a:txBody>
+                    <a:bodyPr/>
+                    <a:lstStyle/>
+                    <a:p>
+                      <a:r>
+                        <a:rPr lang="en-GB" dirty="0"/>
+                        <a:t>1.1.1</a:t>
+                      </a:r>
+                    </a:p>
+                  </a:txBody>
+                  <a:tcPr/>
+                </a:tc>
+                <a:tc>
+                  <a:txBody>
+                    <a:bodyPr/>
+                    <a:lstStyle/>
+                    <a:p>
+                      <a:r>
+                        <a:rPr lang="en-GB" dirty="0"/>
+                        <a:t>Kick-off</a:t>
+                      </a:r>
+                    </a:p>
+                  </a:txBody>
+                  <a:tcPr/>
+                </a:tc>
+                <a:tc>
+                  <a:txBody>
+                    <a:bodyPr/>
+                    <a:lstStyle/>
+                    <a:p>
+                      <a:r>
+                        <a:rPr lang="en-GB" dirty="0"/>
+                        <a:t>08.03.2022</a:t>
+                      </a:r>
+                    </a:p>
+                  </a:txBody>
+                  <a:tcPr/>
+                </a:tc>
+                <a:tc>
+                  <a:txBody>
+                    <a:bodyPr/>
+                    <a:lstStyle/>
+                    <a:p>
+                      <a:r>
+                        <a:rPr lang="en-GB" dirty="0"/>
+                        <a:t>08.03.2022</a:t>
+                      </a:r>
+                    </a:p>
+                  </a:txBody>
+                  <a:tcPr/>
+                </a:tc>
+                <a:tc>
+                  <a:txBody>
+                    <a:bodyPr/>
+                    <a:lstStyle/>
+                    <a:p>
+                      <a:r>
+                        <a:rPr lang="en-GB" dirty="0"/>
+                        <a:t>08.03.2022</a:t>
+                      </a:r>
+                    </a:p>
+                  </a:txBody>
+                  <a:tcPr/>
+                </a:tc>
+                <a:extLst>
+                  <a:ext uri="{0D108BD9-81ED-4DB2-BD59-A6C34878D82A}">
+                    <a16:rowId xmlns:a16="http://schemas.microsoft.com/office/drawing/2014/main" val="3221660895"/>
+                  </a:ext>
+                </a:extLst>
+              </a:tr>
+              <a:tr h="320040">
                 <a:tc>
                   <a:txBody>
                     <a:bodyPr/>
@@ -15287,7 +15359,7 @@
                 </a:tc>
                 <a:extLst>
                   <a:ext uri="{0D108BD9-81ED-4DB2-BD59-A6C34878D82A}">
-                    <a16:rowId xmlns:a16="http://schemas.microsoft.com/office/drawing/2014/main" val="3221660895"/>
+                    <a16:rowId xmlns:a16="http://schemas.microsoft.com/office/drawing/2014/main" val="1420497515"/>
                   </a:ext>
                 </a:extLst>
               </a:tr>
@@ -15686,7 +15758,7 @@
         </p:nvSpPr>
         <p:spPr>
           <a:xfrm>
-            <a:off x="10213464" y="-25604"/>
+            <a:off x="10094763" y="5675868"/>
             <a:ext cx="1887056" cy="923330"/>
           </a:xfrm>
           <a:prstGeom prst="rect">
@@ -15710,7 +15782,7 @@
                   <a:prstDash val="solid"/>
                 </a:ln>
                 <a:solidFill>
-                  <a:schemeClr val="tx1"/>
+                  <a:schemeClr val="bg1"/>
                 </a:solidFill>
                 <a:effectLst>
                   <a:outerShdw blurRad="12700" dist="38100" dir="2700000" algn="tl" rotWithShape="0">
@@ -15739,7 +15811,7 @@
         </p:nvSpPr>
         <p:spPr>
           <a:xfrm>
-            <a:off x="512063" y="143673"/>
+            <a:off x="460484" y="6137533"/>
             <a:ext cx="1321195" cy="584775"/>
           </a:xfrm>
           <a:prstGeom prst="rect">
@@ -15763,7 +15835,7 @@
                   <a:prstDash val="solid"/>
                 </a:ln>
                 <a:solidFill>
-                  <a:schemeClr val="tx1"/>
+                  <a:schemeClr val="bg1"/>
                 </a:solidFill>
                 <a:effectLst>
                   <a:outerShdw blurRad="12700" dist="38100" dir="2700000" algn="tl" rotWithShape="0">
@@ -16334,8 +16406,8 @@
         </p:nvSpPr>
         <p:spPr>
           <a:xfrm>
-            <a:off x="919174" y="5806069"/>
-            <a:ext cx="1155060" cy="584775"/>
+            <a:off x="836107" y="5806069"/>
+            <a:ext cx="1321196" cy="584775"/>
           </a:xfrm>
           <a:prstGeom prst="rect">
             <a:avLst/>
@@ -16368,7 +16440,7 @@
                   </a:outerShdw>
                 </a:effectLst>
               </a:rPr>
-              <a:t>Mirac</a:t>
+              <a:t>Adrian</a:t>
             </a:r>
           </a:p>
         </p:txBody>
@@ -20172,7 +20244,7 @@
         </p:nvSpPr>
         <p:spPr>
           <a:xfrm>
-            <a:off x="1037456" y="5836148"/>
+            <a:off x="1441378" y="5761837"/>
             <a:ext cx="1155060" cy="584775"/>
           </a:xfrm>
           <a:prstGeom prst="rect">
@@ -20986,7 +21058,7 @@
         </p:nvSpPr>
         <p:spPr>
           <a:xfrm>
-            <a:off x="1287664" y="5761837"/>
+            <a:off x="1441378" y="5768034"/>
             <a:ext cx="1155060" cy="584775"/>
           </a:xfrm>
           <a:prstGeom prst="rect">
@@ -21784,7 +21856,7 @@
         </p:nvSpPr>
         <p:spPr>
           <a:xfrm>
-            <a:off x="1205777" y="5945184"/>
+            <a:off x="1489875" y="5761837"/>
             <a:ext cx="1155060" cy="584775"/>
           </a:xfrm>
           <a:prstGeom prst="rect">
@@ -24804,15 +24876,6 @@
 </file>
 
 <file path=customXml/item1.xml><?xml version="1.0" encoding="utf-8"?>
-<?mso-contentType ?>
-<FormTemplates xmlns="http://schemas.microsoft.com/sharepoint/v3/contenttype/forms">
-  <Display>DocumentLibraryForm</Display>
-  <Edit>DocumentLibraryForm</Edit>
-  <New>DocumentLibraryForm</New>
-</FormTemplates>
-</file>
-
-<file path=customXml/item2.xml><?xml version="1.0" encoding="utf-8"?>
 <ct:contentTypeSchema xmlns:ct="http://schemas.microsoft.com/office/2006/metadata/contentType" xmlns:ma="http://schemas.microsoft.com/office/2006/metadata/properties/metaAttributes" ct:_="" ma:_="" ma:contentTypeName="Dokument" ma:contentTypeID="0x01010026E71E5615E0A644B8B57BA6C092E805" ma:contentTypeVersion="2" ma:contentTypeDescription="Ein neues Dokument erstellen." ma:contentTypeScope="" ma:versionID="885d557d2676289c2a00aa3f8538274d">
   <xsd:schema xmlns:xsd="http://www.w3.org/2001/XMLSchema" xmlns:xs="http://www.w3.org/2001/XMLSchema" xmlns:p="http://schemas.microsoft.com/office/2006/metadata/properties" xmlns:ns3="3d4ba707-cc54-4fd5-8602-bc81a4186947" targetNamespace="http://schemas.microsoft.com/office/2006/metadata/properties" ma:root="true" ma:fieldsID="7825bca72a302c9ca2c954702a874e7b" ns3:_="">
     <xsd:import namespace="3d4ba707-cc54-4fd5-8602-bc81a4186947"/>
@@ -24944,6 +25007,15 @@
 </ct:contentTypeSchema>
 </file>
 
+<file path=customXml/item2.xml><?xml version="1.0" encoding="utf-8"?>
+<?mso-contentType ?>
+<FormTemplates xmlns="http://schemas.microsoft.com/sharepoint/v3/contenttype/forms">
+  <Display>DocumentLibraryForm</Display>
+  <Edit>DocumentLibraryForm</Edit>
+  <New>DocumentLibraryForm</New>
+</FormTemplates>
+</file>
+
 <file path=customXml/item3.xml><?xml version="1.0" encoding="utf-8"?>
 <p:properties xmlns:p="http://schemas.microsoft.com/office/2006/metadata/properties" xmlns:xsi="http://www.w3.org/2001/XMLSchema-instance" xmlns:pc="http://schemas.microsoft.com/office/infopath/2007/PartnerControls">
   <documentManagement/>
@@ -24951,14 +25023,6 @@
 </file>
 
 <file path=customXml/itemProps1.xml><?xml version="1.0" encoding="utf-8"?>
-<ds:datastoreItem xmlns:ds="http://schemas.openxmlformats.org/officeDocument/2006/customXml" ds:itemID="{8D33DF0F-2246-469E-9447-162247077994}">
-  <ds:schemaRefs>
-    <ds:schemaRef ds:uri="http://schemas.microsoft.com/sharepoint/v3/contenttype/forms"/>
-  </ds:schemaRefs>
-</ds:datastoreItem>
-</file>
-
-<file path=customXml/itemProps2.xml><?xml version="1.0" encoding="utf-8"?>
 <ds:datastoreItem xmlns:ds="http://schemas.openxmlformats.org/officeDocument/2006/customXml" ds:itemID="{6691A404-B33B-43B4-A18F-83AF7E7F1558}">
   <ds:schemaRefs>
     <ds:schemaRef ds:uri="http://schemas.microsoft.com/office/2006/metadata/contentType"/>
@@ -24972,6 +25036,14 @@
     <ds:schemaRef ds:uri="http://purl.org/dc/elements/1.1/"/>
     <ds:schemaRef ds:uri="http://purl.org/dc/terms/"/>
     <ds:schemaRef ds:uri="http://schemas.microsoft.com/internal/obd"/>
+  </ds:schemaRefs>
+</ds:datastoreItem>
+</file>
+
+<file path=customXml/itemProps2.xml><?xml version="1.0" encoding="utf-8"?>
+<ds:datastoreItem xmlns:ds="http://schemas.openxmlformats.org/officeDocument/2006/customXml" ds:itemID="{8D33DF0F-2246-469E-9447-162247077994}">
+  <ds:schemaRefs>
+    <ds:schemaRef ds:uri="http://schemas.microsoft.com/sharepoint/v3/contenttype/forms"/>
   </ds:schemaRefs>
 </ds:datastoreItem>
 </file>

--- a/documents/T3-ShareList-Abschlusspräsentation_v1.0.pptx
+++ b/documents/T3-ShareList-Abschlusspräsentation_v1.0.pptx
@@ -2095,7 +2095,7 @@
         <a:p>
           <a:r>
             <a:rPr lang="en-GB" dirty="0"/>
-            <a:t>Leader</a:t>
+            <a:t>Project Leader</a:t>
           </a:r>
         </a:p>
       </dgm:t>
@@ -2130,13 +2130,21 @@
         <a:lstStyle/>
         <a:p>
           <a:r>
-            <a:rPr lang="en-GB"/>
-            <a:t>Raymond Ermler </a:t>
+            <a:rPr lang="en-GB" dirty="0"/>
+            <a:t>Raymond </a:t>
+          </a:r>
+          <a:r>
+            <a:rPr lang="en-GB" dirty="0" err="1"/>
+            <a:t>Ermler</a:t>
+          </a:r>
+          <a:r>
+            <a:rPr lang="en-GB" dirty="0"/>
+            <a:t> </a:t>
           </a:r>
         </a:p>
         <a:p>
           <a:r>
-            <a:rPr lang="en-GB"/>
+            <a:rPr lang="en-GB" dirty="0"/>
             <a:t>Frontend &amp; Backend</a:t>
           </a:r>
         </a:p>
@@ -3680,7 +3688,7 @@
           </a:pPr>
           <a:r>
             <a:rPr lang="en-GB" sz="1600" kern="1200" dirty="0"/>
-            <a:t>Leader</a:t>
+            <a:t>Project Leader</a:t>
           </a:r>
         </a:p>
       </dsp:txBody>
@@ -4053,8 +4061,16 @@
             <a:buNone/>
           </a:pPr>
           <a:r>
-            <a:rPr lang="en-GB" sz="1600" kern="1200"/>
-            <a:t>Raymond Ermler </a:t>
+            <a:rPr lang="en-GB" sz="1600" kern="1200" dirty="0"/>
+            <a:t>Raymond </a:t>
+          </a:r>
+          <a:r>
+            <a:rPr lang="en-GB" sz="1600" kern="1200" dirty="0" err="1"/>
+            <a:t>Ermler</a:t>
+          </a:r>
+          <a:r>
+            <a:rPr lang="en-GB" sz="1600" kern="1200" dirty="0"/>
+            <a:t> </a:t>
           </a:r>
         </a:p>
         <a:p>
@@ -4071,7 +4087,7 @@
             <a:buNone/>
           </a:pPr>
           <a:r>
-            <a:rPr lang="en-GB" sz="1600" kern="1200"/>
+            <a:rPr lang="en-GB" sz="1600" kern="1200" dirty="0"/>
             <a:t>Frontend &amp; Backend</a:t>
           </a:r>
         </a:p>
@@ -11743,6 +11759,42 @@
           </a:p>
         </p:txBody>
       </p:sp>
+      <p:pic>
+        <p:nvPicPr>
+          <p:cNvPr id="7" name="Grafik 6">
+            <a:extLst>
+              <a:ext uri="{FF2B5EF4-FFF2-40B4-BE49-F238E27FC236}">
+                <a16:creationId xmlns:a16="http://schemas.microsoft.com/office/drawing/2014/main" id="{5763E8A6-6F05-9D76-B20B-73D33EE95B42}"/>
+              </a:ext>
+            </a:extLst>
+          </p:cNvPr>
+          <p:cNvPicPr>
+            <a:picLocks noChangeAspect="1"/>
+          </p:cNvPicPr>
+          <p:nvPr/>
+        </p:nvPicPr>
+        <p:blipFill>
+          <a:blip r:embed="rId2">
+            <a:extLst>
+              <a:ext uri="{28A0092B-C50C-407E-A947-70E740481C1C}">
+                <a14:useLocalDpi xmlns:a14="http://schemas.microsoft.com/office/drawing/2010/main" val="0"/>
+              </a:ext>
+            </a:extLst>
+          </a:blip>
+          <a:stretch>
+            <a:fillRect/>
+          </a:stretch>
+        </p:blipFill>
+        <p:spPr>
+          <a:xfrm>
+            <a:off x="8871792" y="-9954"/>
+            <a:ext cx="3400425" cy="3371850"/>
+          </a:xfrm>
+          <a:prstGeom prst="rect">
+            <a:avLst/>
+          </a:prstGeom>
+        </p:spPr>
+      </p:pic>
     </p:spTree>
     <p:extLst>
       <p:ext uri="{BB962C8B-B14F-4D97-AF65-F5344CB8AC3E}">
@@ -15076,14 +15128,14 @@
           <p:nvPr>
             <p:extLst>
               <p:ext uri="{D42A27DB-BD31-4B8C-83A1-F6EECF244321}">
-                <p14:modId xmlns:p14="http://schemas.microsoft.com/office/powerpoint/2010/main" val="934201646"/>
+                <p14:modId xmlns:p14="http://schemas.microsoft.com/office/powerpoint/2010/main" val="3912164359"/>
               </p:ext>
             </p:extLst>
           </p:nvPr>
         </p:nvGraphicFramePr>
         <p:xfrm>
-          <a:off x="1966763" y="107829"/>
-          <a:ext cx="8128000" cy="5120640"/>
+          <a:off x="591258" y="107830"/>
+          <a:ext cx="11134017" cy="5036952"/>
         </p:xfrm>
         <a:graphic>
           <a:graphicData uri="http://schemas.openxmlformats.org/drawingml/2006/table">
@@ -15092,43 +15144,50 @@
                 <a:tableStyleId>{5C22544A-7EE6-4342-B048-85BDC9FD1C3A}</a:tableStyleId>
               </a:tblPr>
               <a:tblGrid>
-                <a:gridCol w="1625600">
+                <a:gridCol w="1938884">
                   <a:extLst>
                     <a:ext uri="{9D8B030D-6E8A-4147-A177-3AD203B41FA5}">
                       <a16:colId xmlns:a16="http://schemas.microsoft.com/office/drawing/2014/main" val="1092516154"/>
                     </a:ext>
                   </a:extLst>
                 </a:gridCol>
-                <a:gridCol w="1625600">
+                <a:gridCol w="1938884">
                   <a:extLst>
                     <a:ext uri="{9D8B030D-6E8A-4147-A177-3AD203B41FA5}">
                       <a16:colId xmlns:a16="http://schemas.microsoft.com/office/drawing/2014/main" val="2208730868"/>
                     </a:ext>
                   </a:extLst>
                 </a:gridCol>
-                <a:gridCol w="1625600">
+                <a:gridCol w="1417384">
                   <a:extLst>
                     <a:ext uri="{9D8B030D-6E8A-4147-A177-3AD203B41FA5}">
                       <a16:colId xmlns:a16="http://schemas.microsoft.com/office/drawing/2014/main" val="3264763961"/>
                     </a:ext>
                   </a:extLst>
                 </a:gridCol>
-                <a:gridCol w="1625600">
+                <a:gridCol w="1961097">
                   <a:extLst>
                     <a:ext uri="{9D8B030D-6E8A-4147-A177-3AD203B41FA5}">
                       <a16:colId xmlns:a16="http://schemas.microsoft.com/office/drawing/2014/main" val="1140803016"/>
                     </a:ext>
                   </a:extLst>
                 </a:gridCol>
-                <a:gridCol w="1625600">
+                <a:gridCol w="1938884">
                   <a:extLst>
                     <a:ext uri="{9D8B030D-6E8A-4147-A177-3AD203B41FA5}">
                       <a16:colId xmlns:a16="http://schemas.microsoft.com/office/drawing/2014/main" val="4125700220"/>
                     </a:ext>
                   </a:extLst>
                 </a:gridCol>
+                <a:gridCol w="1938884">
+                  <a:extLst>
+                    <a:ext uri="{9D8B030D-6E8A-4147-A177-3AD203B41FA5}">
+                      <a16:colId xmlns:a16="http://schemas.microsoft.com/office/drawing/2014/main" val="3639759407"/>
+                    </a:ext>
+                  </a:extLst>
+                </a:gridCol>
               </a:tblGrid>
-              <a:tr h="626439">
+              <a:tr h="830712">
                 <a:tc>
                   <a:txBody>
                     <a:bodyPr/>
@@ -15213,13 +15272,43 @@
                   </a:txBody>
                   <a:tcPr/>
                 </a:tc>
+                <a:tc>
+                  <a:txBody>
+                    <a:bodyPr/>
+                    <a:lstStyle/>
+                    <a:p>
+                      <a:pPr algn="ctr"/>
+                      <a:r>
+                        <a:rPr lang="en-GB" dirty="0"/>
+                        <a:t>Goals </a:t>
+                      </a:r>
+                      <a:r>
+                        <a:rPr lang="en-GB" dirty="0" err="1"/>
+                        <a:t>Fullfilled</a:t>
+                      </a:r>
+                      <a:r>
+                        <a:rPr lang="en-GB" dirty="0"/>
+                        <a:t>/</a:t>
+                      </a:r>
+                      <a:br>
+                        <a:rPr lang="en-GB" dirty="0"/>
+                      </a:br>
+                      <a:r>
+                        <a:rPr lang="en-GB" dirty="0" err="1"/>
+                        <a:t>Unfullfilled</a:t>
+                      </a:r>
+                      <a:endParaRPr lang="en-GB" dirty="0"/>
+                    </a:p>
+                  </a:txBody>
+                  <a:tcPr/>
+                </a:tc>
                 <a:extLst>
                   <a:ext uri="{0D108BD9-81ED-4DB2-BD59-A6C34878D82A}">
                     <a16:rowId xmlns:a16="http://schemas.microsoft.com/office/drawing/2014/main" val="3754160917"/>
                   </a:ext>
                 </a:extLst>
               </a:tr>
-              <a:tr h="320040">
+              <a:tr h="348845">
                 <a:tc>
                   <a:txBody>
                     <a:bodyPr/>
@@ -15285,13 +15374,27 @@
                   </a:txBody>
                   <a:tcPr/>
                 </a:tc>
+                <a:tc>
+                  <a:txBody>
+                    <a:bodyPr/>
+                    <a:lstStyle/>
+                    <a:p>
+                      <a:r>
+                        <a:rPr lang="en-GB" dirty="0" err="1"/>
+                        <a:t>Fullfilled</a:t>
+                      </a:r>
+                      <a:endParaRPr lang="en-GB" dirty="0"/>
+                    </a:p>
+                  </a:txBody>
+                  <a:tcPr/>
+                </a:tc>
                 <a:extLst>
                   <a:ext uri="{0D108BD9-81ED-4DB2-BD59-A6C34878D82A}">
                     <a16:rowId xmlns:a16="http://schemas.microsoft.com/office/drawing/2014/main" val="3221660895"/>
                   </a:ext>
                 </a:extLst>
               </a:tr>
-              <a:tr h="320040">
+              <a:tr h="610479">
                 <a:tc>
                   <a:txBody>
                     <a:bodyPr/>
@@ -15357,13 +15460,27 @@
                   </a:txBody>
                   <a:tcPr/>
                 </a:tc>
+                <a:tc>
+                  <a:txBody>
+                    <a:bodyPr/>
+                    <a:lstStyle/>
+                    <a:p>
+                      <a:r>
+                        <a:rPr lang="en-GB" dirty="0" err="1"/>
+                        <a:t>Fullfilled</a:t>
+                      </a:r>
+                      <a:endParaRPr lang="en-GB" dirty="0"/>
+                    </a:p>
+                  </a:txBody>
+                  <a:tcPr/>
+                </a:tc>
                 <a:extLst>
                   <a:ext uri="{0D108BD9-81ED-4DB2-BD59-A6C34878D82A}">
                     <a16:rowId xmlns:a16="http://schemas.microsoft.com/office/drawing/2014/main" val="1420497515"/>
                   </a:ext>
                 </a:extLst>
               </a:tr>
-              <a:tr h="894913">
+              <a:tr h="872113">
                 <a:tc>
                   <a:txBody>
                     <a:bodyPr/>
@@ -15429,13 +15546,27 @@
                   </a:txBody>
                   <a:tcPr/>
                 </a:tc>
+                <a:tc>
+                  <a:txBody>
+                    <a:bodyPr/>
+                    <a:lstStyle/>
+                    <a:p>
+                      <a:r>
+                        <a:rPr lang="en-GB" dirty="0" err="1"/>
+                        <a:t>Fullfilled</a:t>
+                      </a:r>
+                      <a:endParaRPr lang="en-GB" dirty="0"/>
+                    </a:p>
+                  </a:txBody>
+                  <a:tcPr/>
+                </a:tc>
                 <a:extLst>
                   <a:ext uri="{0D108BD9-81ED-4DB2-BD59-A6C34878D82A}">
                     <a16:rowId xmlns:a16="http://schemas.microsoft.com/office/drawing/2014/main" val="3560929612"/>
                   </a:ext>
                 </a:extLst>
               </a:tr>
-              <a:tr h="626439">
+              <a:tr h="610479">
                 <a:tc>
                   <a:txBody>
                     <a:bodyPr/>
@@ -15501,13 +15632,27 @@
                   </a:txBody>
                   <a:tcPr/>
                 </a:tc>
+                <a:tc>
+                  <a:txBody>
+                    <a:bodyPr/>
+                    <a:lstStyle/>
+                    <a:p>
+                      <a:r>
+                        <a:rPr lang="en-GB" dirty="0" err="1"/>
+                        <a:t>Fullfilled</a:t>
+                      </a:r>
+                      <a:endParaRPr lang="en-GB" dirty="0"/>
+                    </a:p>
+                  </a:txBody>
+                  <a:tcPr/>
+                </a:tc>
                 <a:extLst>
                   <a:ext uri="{0D108BD9-81ED-4DB2-BD59-A6C34878D82A}">
                     <a16:rowId xmlns:a16="http://schemas.microsoft.com/office/drawing/2014/main" val="647640462"/>
                   </a:ext>
                 </a:extLst>
               </a:tr>
-              <a:tr h="626439">
+              <a:tr h="610479">
                 <a:tc>
                   <a:txBody>
                     <a:bodyPr/>
@@ -15573,13 +15718,27 @@
                   </a:txBody>
                   <a:tcPr/>
                 </a:tc>
+                <a:tc>
+                  <a:txBody>
+                    <a:bodyPr/>
+                    <a:lstStyle/>
+                    <a:p>
+                      <a:r>
+                        <a:rPr lang="en-GB" dirty="0" err="1"/>
+                        <a:t>Fullfilled</a:t>
+                      </a:r>
+                      <a:endParaRPr lang="en-GB" dirty="0"/>
+                    </a:p>
+                  </a:txBody>
+                  <a:tcPr/>
+                </a:tc>
                 <a:extLst>
                   <a:ext uri="{0D108BD9-81ED-4DB2-BD59-A6C34878D82A}">
                     <a16:rowId xmlns:a16="http://schemas.microsoft.com/office/drawing/2014/main" val="1241976917"/>
                   </a:ext>
                 </a:extLst>
               </a:tr>
-              <a:tr h="626439">
+              <a:tr h="610479">
                 <a:tc>
                   <a:txBody>
                     <a:bodyPr/>
@@ -15645,13 +15804,27 @@
                   </a:txBody>
                   <a:tcPr/>
                 </a:tc>
+                <a:tc>
+                  <a:txBody>
+                    <a:bodyPr/>
+                    <a:lstStyle/>
+                    <a:p>
+                      <a:r>
+                        <a:rPr lang="en-GB" dirty="0" err="1"/>
+                        <a:t>Fullfilled</a:t>
+                      </a:r>
+                      <a:endParaRPr lang="en-GB" dirty="0"/>
+                    </a:p>
+                  </a:txBody>
+                  <a:tcPr/>
+                </a:tc>
                 <a:extLst>
                   <a:ext uri="{0D108BD9-81ED-4DB2-BD59-A6C34878D82A}">
                     <a16:rowId xmlns:a16="http://schemas.microsoft.com/office/drawing/2014/main" val="2125974847"/>
                   </a:ext>
                 </a:extLst>
               </a:tr>
-              <a:tr h="626439">
+              <a:tr h="348845">
                 <a:tc>
                   <a:txBody>
                     <a:bodyPr/>
@@ -15734,6 +15907,20 @@
                   </a:txBody>
                   <a:tcPr/>
                 </a:tc>
+                <a:tc>
+                  <a:txBody>
+                    <a:bodyPr/>
+                    <a:lstStyle/>
+                    <a:p>
+                      <a:r>
+                        <a:rPr lang="en-GB" dirty="0" err="1"/>
+                        <a:t>Fullfilled</a:t>
+                      </a:r>
+                      <a:endParaRPr lang="en-GB" dirty="0"/>
+                    </a:p>
+                  </a:txBody>
+                  <a:tcPr/>
+                </a:tc>
                 <a:extLst>
                   <a:ext uri="{0D108BD9-81ED-4DB2-BD59-A6C34878D82A}">
                     <a16:rowId xmlns:a16="http://schemas.microsoft.com/office/drawing/2014/main" val="1777422202"/>
@@ -16293,12 +16480,12 @@
           <a:lstStyle/>
           <a:p>
             <a:r>
-              <a:rPr lang="en-GB" sz="4000">
+              <a:rPr lang="en-GB" sz="4000" dirty="0">
                 <a:solidFill>
                   <a:srgbClr val="FFFFFF"/>
                 </a:solidFill>
               </a:rPr>
-              <a:t>Project Management – Ressources  </a:t>
+              <a:t>Project Management – Tools  </a:t>
             </a:r>
           </a:p>
         </p:txBody>
@@ -16351,7 +16538,7 @@
           <a:p>
             <a:r>
               <a:rPr lang="en-GB" dirty="0"/>
-              <a:t>Visual Studio 2022</a:t>
+              <a:t>Visual Studio Code</a:t>
             </a:r>
           </a:p>
           <a:p>
@@ -16893,12 +17080,12 @@
           <a:lstStyle/>
           <a:p>
             <a:r>
-              <a:rPr lang="en-GB" sz="4000">
+              <a:rPr lang="en-GB" sz="4000" dirty="0">
                 <a:solidFill>
                   <a:srgbClr val="FFFFFF"/>
                 </a:solidFill>
               </a:rPr>
-              <a:t>Project Management – Time </a:t>
+              <a:t>Project Management – Resources </a:t>
             </a:r>
           </a:p>
         </p:txBody>
@@ -16925,8 +17112,8 @@
         </p:blipFill>
         <p:spPr>
           <a:xfrm>
-            <a:off x="2761246" y="2029037"/>
-            <a:ext cx="7215531" cy="4828963"/>
+            <a:off x="2761247" y="1575461"/>
+            <a:ext cx="7893272" cy="5282539"/>
           </a:xfrm>
           <a:prstGeom prst="rect">
             <a:avLst/>
@@ -17035,6 +17222,49 @@
                 </a:effectLst>
               </a:rPr>
               <a:t>16/19</a:t>
+            </a:r>
+          </a:p>
+        </p:txBody>
+      </p:sp>
+      <p:sp>
+        <p:nvSpPr>
+          <p:cNvPr id="2" name="Textfeld 1">
+            <a:extLst>
+              <a:ext uri="{FF2B5EF4-FFF2-40B4-BE49-F238E27FC236}">
+                <a16:creationId xmlns:a16="http://schemas.microsoft.com/office/drawing/2014/main" id="{AFCC83E3-7FEA-03BC-B6A4-84CE4BB70FDD}"/>
+              </a:ext>
+            </a:extLst>
+          </p:cNvPr>
+          <p:cNvSpPr txBox="1"/>
+          <p:nvPr/>
+        </p:nvSpPr>
+        <p:spPr>
+          <a:xfrm>
+            <a:off x="589228" y="2272522"/>
+            <a:ext cx="3671326" cy="369332"/>
+          </a:xfrm>
+          <a:prstGeom prst="rect">
+            <a:avLst/>
+          </a:prstGeom>
+          <a:noFill/>
+        </p:spPr>
+        <p:txBody>
+          <a:bodyPr wrap="none" rtlCol="0">
+            <a:spAutoFit/>
+          </a:bodyPr>
+          <a:lstStyle/>
+          <a:p>
+            <a:r>
+              <a:rPr lang="en-GB" b="1" dirty="0"/>
+              <a:t>Planned: </a:t>
+            </a:r>
+            <a:r>
+              <a:rPr lang="en-GB" b="1" dirty="0" err="1"/>
+              <a:t>Atleast</a:t>
+            </a:r>
+            <a:r>
+              <a:rPr lang="en-GB" b="1" dirty="0"/>
+              <a:t> 25h (1500min) each</a:t>
             </a:r>
           </a:p>
         </p:txBody>
@@ -18524,6 +18754,12 @@
             </a:r>
           </a:p>
           <a:p>
+            <a:r>
+              <a:rPr lang="en-GB" dirty="0"/>
+              <a:t>A lot of new frameworks and languages</a:t>
+            </a:r>
+          </a:p>
+          <a:p>
             <a:pPr marL="0" indent="0">
               <a:buNone/>
             </a:pPr>
@@ -20215,7 +20451,7 @@
             <p:ph idx="1"/>
             <p:extLst>
               <p:ext uri="{D42A27DB-BD31-4B8C-83A1-F6EECF244321}">
-                <p14:modId xmlns:p14="http://schemas.microsoft.com/office/powerpoint/2010/main" val="1069404450"/>
+                <p14:modId xmlns:p14="http://schemas.microsoft.com/office/powerpoint/2010/main" val="1887810263"/>
               </p:ext>
             </p:extLst>
           </p:nvPr>
